--- a/description/ER图.pptx
+++ b/description/ER图.pptx
@@ -5142,6 +5142,11 @@
             <a:prstGeom prst="line">
               <a:avLst/>
             </a:prstGeom>
+            <a:ln w="38100">
+              <a:solidFill>
+                <a:schemeClr val="tx1"/>
+              </a:solidFill>
+            </a:ln>
           </p:spPr>
           <p:style>
             <a:lnRef idx="2">
